--- a/20191214_CentDS_Workshop_AI_Global_Bootcamp_Leeds.pptx
+++ b/20191214_CentDS_Workshop_AI_Global_Bootcamp_Leeds.pptx
@@ -216,7 +216,7 @@
           <a:p>
             <a:fld id="{79EDC602-8482-4BFC-ACFC-9BFC60DD1A41}" type="datetimeFigureOut">
               <a:rPr lang="en-GB" smtClean="0"/>
-              <a:t>08/12/2019</a:t>
+              <a:t>12/12/2019</a:t>
             </a:fld>
             <a:endParaRPr lang="en-GB"/>
           </a:p>
@@ -381,7 +381,7 @@
           <a:p>
             <a:fld id="{C6C975EE-6532-499F-9A74-E75B229D5FE3}" type="datetimeFigureOut">
               <a:rPr lang="en-GB" smtClean="0"/>
-              <a:t>08/12/2019</a:t>
+              <a:t>12/12/2019</a:t>
             </a:fld>
             <a:endParaRPr lang="en-GB"/>
           </a:p>
@@ -806,7 +806,7 @@
           <a:p>
             <a:fld id="{0F8C096A-1B6B-4DF9-987D-F1D0FC22AA32}" type="datetime1">
               <a:rPr lang="en-GB" smtClean="0"/>
-              <a:t>08/12/2019</a:t>
+              <a:t>12/12/2019</a:t>
             </a:fld>
             <a:endParaRPr lang="en-GB"/>
           </a:p>
@@ -999,7 +999,7 @@
           <a:p>
             <a:fld id="{C42830CF-A39E-45AD-9A5D-CFAC317B154C}" type="datetime1">
               <a:rPr lang="en-GB" smtClean="0"/>
-              <a:t>08/12/2019</a:t>
+              <a:t>12/12/2019</a:t>
             </a:fld>
             <a:endParaRPr lang="en-GB"/>
           </a:p>
@@ -1237,7 +1237,7 @@
           <a:p>
             <a:fld id="{EC0234BB-BB65-497F-8216-7928834CF21B}" type="datetime1">
               <a:rPr lang="en-GB" smtClean="0"/>
-              <a:t>08/12/2019</a:t>
+              <a:t>12/12/2019</a:t>
             </a:fld>
             <a:endParaRPr lang="en-GB"/>
           </a:p>
@@ -1495,7 +1495,7 @@
           <a:p>
             <a:fld id="{0F8C096A-1B6B-4DF9-987D-F1D0FC22AA32}" type="datetime1">
               <a:rPr lang="en-GB" smtClean="0"/>
-              <a:t>08/12/2019</a:t>
+              <a:t>12/12/2019</a:t>
             </a:fld>
             <a:endParaRPr lang="en-GB"/>
           </a:p>
@@ -1764,7 +1764,7 @@
           <a:p>
             <a:fld id="{0F8C096A-1B6B-4DF9-987D-F1D0FC22AA32}" type="datetime1">
               <a:rPr lang="en-GB" smtClean="0"/>
-              <a:t>08/12/2019</a:t>
+              <a:t>12/12/2019</a:t>
             </a:fld>
             <a:endParaRPr lang="en-GB"/>
           </a:p>
@@ -2060,7 +2060,7 @@
           <a:p>
             <a:fld id="{5CB58BDF-EDDC-4168-A4B5-8C0879D5BA93}" type="datetime1">
               <a:rPr lang="en-GB" smtClean="0"/>
-              <a:t>08/12/2019</a:t>
+              <a:t>12/12/2019</a:t>
             </a:fld>
             <a:endParaRPr lang="en-GB"/>
           </a:p>
@@ -2469,7 +2469,7 @@
           <a:p>
             <a:fld id="{01485233-4A02-4186-800D-A839B8B5939D}" type="datetime1">
               <a:rPr lang="en-GB" smtClean="0"/>
-              <a:t>08/12/2019</a:t>
+              <a:t>12/12/2019</a:t>
             </a:fld>
             <a:endParaRPr lang="en-GB"/>
           </a:p>
@@ -2673,7 +2673,7 @@
           <a:p>
             <a:fld id="{028CC3BA-8E28-46F4-AAE7-3AB4927D2DCA}" type="datetime1">
               <a:rPr lang="en-GB" smtClean="0"/>
-              <a:t>08/12/2019</a:t>
+              <a:t>12/12/2019</a:t>
             </a:fld>
             <a:endParaRPr lang="en-GB"/>
           </a:p>
@@ -2814,7 +2814,7 @@
           <a:p>
             <a:fld id="{D69CCDC3-C756-4C68-BD81-F708A352623B}" type="datetime1">
               <a:rPr lang="en-GB" smtClean="0"/>
-              <a:t>08/12/2019</a:t>
+              <a:t>12/12/2019</a:t>
             </a:fld>
             <a:endParaRPr lang="en-GB"/>
           </a:p>
@@ -3155,7 +3155,7 @@
           <a:p>
             <a:fld id="{D8018932-06A7-4679-888D-FAD8CCDADF7B}" type="datetime1">
               <a:rPr lang="en-GB" smtClean="0"/>
-              <a:t>08/12/2019</a:t>
+              <a:t>12/12/2019</a:t>
             </a:fld>
             <a:endParaRPr lang="en-GB"/>
           </a:p>
@@ -3363,7 +3363,7 @@
           <a:p>
             <a:fld id="{5189CF50-4FD2-4177-9F76-0110CC252399}" type="datetime1">
               <a:rPr lang="en-GB" smtClean="0"/>
-              <a:t>08/12/2019</a:t>
+              <a:t>12/12/2019</a:t>
             </a:fld>
             <a:endParaRPr lang="en-GB"/>
           </a:p>
@@ -3737,7 +3737,7 @@
           <a:p>
             <a:fld id="{A91E8CC4-0124-421F-A3A0-0CC973927903}" type="datetime1">
               <a:rPr lang="en-GB" smtClean="0"/>
-              <a:t>08/12/2019</a:t>
+              <a:t>12/12/2019</a:t>
             </a:fld>
             <a:endParaRPr lang="en-GB"/>
           </a:p>
@@ -5397,10 +5397,10 @@
               <a:buNone/>
             </a:pPr>
             <a:r>
-              <a:rPr lang="en-GB" sz="1900" b="1" dirty="0">
+              <a:rPr lang="en-GB" sz="2000" b="1" dirty="0">
                 <a:hlinkClick r:id="rId5"/>
               </a:rPr>
-              <a:t>https://github.com/AndreaDesan/CentDS-Machine-Learning-for-Beginners</a:t>
+              <a:t>https://github.com/AndreaDesan/Global-AI-Bootcamp-Leeds</a:t>
             </a:r>
             <a:endParaRPr lang="en-GB" sz="1900" b="1" i="1" u="sng" dirty="0"/>
           </a:p>
